--- a/CalendarioAgo21/Laboratorios/Laboratorio13/Lab13.pptx
+++ b/CalendarioAgo21/Laboratorios/Laboratorio13/Lab13.pptx
@@ -6,6 +6,10 @@
   </p:sldMasterIdLst>
   <p:sldIdLst>
     <p:sldId id="256" r:id="rId2"/>
+    <p:sldId id="259" r:id="rId3"/>
+    <p:sldId id="258" r:id="rId4"/>
+    <p:sldId id="261" r:id="rId5"/>
+    <p:sldId id="260" r:id="rId6"/>
   </p:sldIdLst>
   <p:sldSz cx="12192000" cy="6858000"/>
   <p:notesSz cx="6858000" cy="9144000"/>
@@ -104,6 +108,11 @@
       </a:defRPr>
     </a:lvl9pPr>
   </p:defaultTextStyle>
+  <p:extLst>
+    <p:ext uri="{EFAFB233-063F-42B5-8137-9DF3F51BA10A}">
+      <p15:sldGuideLst xmlns:p15="http://schemas.microsoft.com/office/powerpoint/2012/main"/>
+    </p:ext>
+  </p:extLst>
 </p:presentation>
 </file>
 
@@ -256,7 +265,7 @@
           <a:p>
             <a:fld id="{00F4D6A3-0A05-4247-8B08-A41191B35B52}" type="datetimeFigureOut">
               <a:rPr lang="es-MX" smtClean="0"/>
-              <a:t>12/05/2021</a:t>
+              <a:t>09/11/2021</a:t>
             </a:fld>
             <a:endParaRPr lang="es-MX"/>
           </a:p>
@@ -456,7 +465,7 @@
           <a:p>
             <a:fld id="{00F4D6A3-0A05-4247-8B08-A41191B35B52}" type="datetimeFigureOut">
               <a:rPr lang="es-MX" smtClean="0"/>
-              <a:t>12/05/2021</a:t>
+              <a:t>09/11/2021</a:t>
             </a:fld>
             <a:endParaRPr lang="es-MX"/>
           </a:p>
@@ -666,7 +675,7 @@
           <a:p>
             <a:fld id="{00F4D6A3-0A05-4247-8B08-A41191B35B52}" type="datetimeFigureOut">
               <a:rPr lang="es-MX" smtClean="0"/>
-              <a:t>12/05/2021</a:t>
+              <a:t>09/11/2021</a:t>
             </a:fld>
             <a:endParaRPr lang="es-MX"/>
           </a:p>
@@ -866,7 +875,7 @@
           <a:p>
             <a:fld id="{00F4D6A3-0A05-4247-8B08-A41191B35B52}" type="datetimeFigureOut">
               <a:rPr lang="es-MX" smtClean="0"/>
-              <a:t>12/05/2021</a:t>
+              <a:t>09/11/2021</a:t>
             </a:fld>
             <a:endParaRPr lang="es-MX"/>
           </a:p>
@@ -1142,7 +1151,7 @@
           <a:p>
             <a:fld id="{00F4D6A3-0A05-4247-8B08-A41191B35B52}" type="datetimeFigureOut">
               <a:rPr lang="es-MX" smtClean="0"/>
-              <a:t>12/05/2021</a:t>
+              <a:t>09/11/2021</a:t>
             </a:fld>
             <a:endParaRPr lang="es-MX"/>
           </a:p>
@@ -1410,7 +1419,7 @@
           <a:p>
             <a:fld id="{00F4D6A3-0A05-4247-8B08-A41191B35B52}" type="datetimeFigureOut">
               <a:rPr lang="es-MX" smtClean="0"/>
-              <a:t>12/05/2021</a:t>
+              <a:t>09/11/2021</a:t>
             </a:fld>
             <a:endParaRPr lang="es-MX"/>
           </a:p>
@@ -1825,7 +1834,7 @@
           <a:p>
             <a:fld id="{00F4D6A3-0A05-4247-8B08-A41191B35B52}" type="datetimeFigureOut">
               <a:rPr lang="es-MX" smtClean="0"/>
-              <a:t>12/05/2021</a:t>
+              <a:t>09/11/2021</a:t>
             </a:fld>
             <a:endParaRPr lang="es-MX"/>
           </a:p>
@@ -1967,7 +1976,7 @@
           <a:p>
             <a:fld id="{00F4D6A3-0A05-4247-8B08-A41191B35B52}" type="datetimeFigureOut">
               <a:rPr lang="es-MX" smtClean="0"/>
-              <a:t>12/05/2021</a:t>
+              <a:t>09/11/2021</a:t>
             </a:fld>
             <a:endParaRPr lang="es-MX"/>
           </a:p>
@@ -2080,7 +2089,7 @@
           <a:p>
             <a:fld id="{00F4D6A3-0A05-4247-8B08-A41191B35B52}" type="datetimeFigureOut">
               <a:rPr lang="es-MX" smtClean="0"/>
-              <a:t>12/05/2021</a:t>
+              <a:t>09/11/2021</a:t>
             </a:fld>
             <a:endParaRPr lang="es-MX"/>
           </a:p>
@@ -2393,7 +2402,7 @@
           <a:p>
             <a:fld id="{00F4D6A3-0A05-4247-8B08-A41191B35B52}" type="datetimeFigureOut">
               <a:rPr lang="es-MX" smtClean="0"/>
-              <a:t>12/05/2021</a:t>
+              <a:t>09/11/2021</a:t>
             </a:fld>
             <a:endParaRPr lang="es-MX"/>
           </a:p>
@@ -2682,7 +2691,7 @@
           <a:p>
             <a:fld id="{00F4D6A3-0A05-4247-8B08-A41191B35B52}" type="datetimeFigureOut">
               <a:rPr lang="es-MX" smtClean="0"/>
-              <a:t>12/05/2021</a:t>
+              <a:t>09/11/2021</a:t>
             </a:fld>
             <a:endParaRPr lang="es-MX"/>
           </a:p>
@@ -2925,7 +2934,7 @@
           <a:p>
             <a:fld id="{00F4D6A3-0A05-4247-8B08-A41191B35B52}" type="datetimeFigureOut">
               <a:rPr lang="es-MX" smtClean="0"/>
-              <a:t>12/05/2021</a:t>
+              <a:t>09/11/2021</a:t>
             </a:fld>
             <a:endParaRPr lang="es-MX"/>
           </a:p>
@@ -3342,34 +3351,6 @@
           <a:chExt cx="0" cy="0"/>
         </a:xfrm>
       </p:grpSpPr>
-      <p:pic>
-        <p:nvPicPr>
-          <p:cNvPr id="4" name="image2.jpeg">
-            <a:extLst>
-              <a:ext uri="{FF2B5EF4-FFF2-40B4-BE49-F238E27FC236}">
-                <a16:creationId xmlns:a16="http://schemas.microsoft.com/office/drawing/2014/main" id="{FC7EF555-AF2C-4C72-959C-A1E4404030C7}"/>
-              </a:ext>
-            </a:extLst>
-          </p:cNvPr>
-          <p:cNvPicPr/>
-          <p:nvPr/>
-        </p:nvPicPr>
-        <p:blipFill>
-          <a:blip r:embed="rId2" cstate="print"/>
-          <a:stretch>
-            <a:fillRect/>
-          </a:stretch>
-        </p:blipFill>
-        <p:spPr>
-          <a:xfrm>
-            <a:off x="1550637" y="675621"/>
-            <a:ext cx="9090726" cy="5772151"/>
-          </a:xfrm>
-          <a:prstGeom prst="rect">
-            <a:avLst/>
-          </a:prstGeom>
-        </p:spPr>
-      </p:pic>
       <p:sp>
         <p:nvSpPr>
           <p:cNvPr id="5" name="Rectángulo 4">
@@ -3518,10 +3499,1700 @@
           </a:p>
         </p:txBody>
       </p:sp>
+      <p:pic>
+        <p:nvPicPr>
+          <p:cNvPr id="3" name="Imagen 2">
+            <a:extLst>
+              <a:ext uri="{FF2B5EF4-FFF2-40B4-BE49-F238E27FC236}">
+                <a16:creationId xmlns:a16="http://schemas.microsoft.com/office/drawing/2014/main" id="{03C669DD-82AC-4769-B75E-F56DB63A2DDF}"/>
+              </a:ext>
+            </a:extLst>
+          </p:cNvPr>
+          <p:cNvPicPr>
+            <a:picLocks noChangeAspect="1"/>
+          </p:cNvPicPr>
+          <p:nvPr/>
+        </p:nvPicPr>
+        <p:blipFill>
+          <a:blip r:embed="rId2"/>
+          <a:stretch>
+            <a:fillRect/>
+          </a:stretch>
+        </p:blipFill>
+        <p:spPr>
+          <a:xfrm>
+            <a:off x="2076550" y="2056652"/>
+            <a:ext cx="7248525" cy="4076700"/>
+          </a:xfrm>
+          <a:prstGeom prst="rect">
+            <a:avLst/>
+          </a:prstGeom>
+        </p:spPr>
+      </p:pic>
+      <p:sp>
+        <p:nvSpPr>
+          <p:cNvPr id="26" name="CuadroTexto 25">
+            <a:extLst>
+              <a:ext uri="{FF2B5EF4-FFF2-40B4-BE49-F238E27FC236}">
+                <a16:creationId xmlns:a16="http://schemas.microsoft.com/office/drawing/2014/main" id="{C11FFB63-73D8-498D-9AA7-3D80E6F98888}"/>
+              </a:ext>
+            </a:extLst>
+          </p:cNvPr>
+          <p:cNvSpPr txBox="1"/>
+          <p:nvPr/>
+        </p:nvSpPr>
+        <p:spPr>
+          <a:xfrm>
+            <a:off x="561473" y="914400"/>
+            <a:ext cx="9946105" cy="791179"/>
+          </a:xfrm>
+          <a:prstGeom prst="rect">
+            <a:avLst/>
+          </a:prstGeom>
+          <a:noFill/>
+        </p:spPr>
+        <p:txBody>
+          <a:bodyPr wrap="square">
+            <a:spAutoFit/>
+          </a:bodyPr>
+          <a:lstStyle/>
+          <a:p>
+            <a:pPr>
+              <a:lnSpc>
+                <a:spcPct val="150000"/>
+              </a:lnSpc>
+            </a:pPr>
+            <a:r>
+              <a:rPr lang="es-ES" sz="1600" b="1" dirty="0">
+                <a:effectLst/>
+                <a:latin typeface="Arial" panose="020B0604020202020204" pitchFamily="34" charset="0"/>
+                <a:ea typeface="Calibri" panose="020F0502020204030204" pitchFamily="34" charset="0"/>
+                <a:cs typeface="Times New Roman" panose="02020603050405020304" pitchFamily="18" charset="0"/>
+              </a:rPr>
+              <a:t>Objetivos: </a:t>
+            </a:r>
+            <a:r>
+              <a:rPr lang="es-ES" sz="1600" dirty="0">
+                <a:effectLst/>
+                <a:latin typeface="Arial" panose="020B0604020202020204" pitchFamily="34" charset="0"/>
+                <a:ea typeface="Calibri" panose="020F0502020204030204" pitchFamily="34" charset="0"/>
+                <a:cs typeface="Times New Roman" panose="02020603050405020304" pitchFamily="18" charset="0"/>
+              </a:rPr>
+              <a:t>Revisar como los dispositivos como los </a:t>
+            </a:r>
+            <a:r>
+              <a:rPr lang="es-ES" sz="1600" dirty="0" err="1">
+                <a:effectLst/>
+                <a:latin typeface="Arial" panose="020B0604020202020204" pitchFamily="34" charset="0"/>
+                <a:ea typeface="Calibri" panose="020F0502020204030204" pitchFamily="34" charset="0"/>
+                <a:cs typeface="Times New Roman" panose="02020603050405020304" pitchFamily="18" charset="0"/>
+              </a:rPr>
+              <a:t>routers</a:t>
+            </a:r>
+            <a:r>
+              <a:rPr lang="es-ES" sz="1600" dirty="0">
+                <a:effectLst/>
+                <a:latin typeface="Arial" panose="020B0604020202020204" pitchFamily="34" charset="0"/>
+                <a:ea typeface="Calibri" panose="020F0502020204030204" pitchFamily="34" charset="0"/>
+                <a:cs typeface="Times New Roman" panose="02020603050405020304" pitchFamily="18" charset="0"/>
+              </a:rPr>
+              <a:t> o </a:t>
+            </a:r>
+            <a:r>
+              <a:rPr lang="es-ES" sz="1600" dirty="0" err="1">
+                <a:effectLst/>
+                <a:latin typeface="Arial" panose="020B0604020202020204" pitchFamily="34" charset="0"/>
+                <a:ea typeface="Calibri" panose="020F0502020204030204" pitchFamily="34" charset="0"/>
+                <a:cs typeface="Times New Roman" panose="02020603050405020304" pitchFamily="18" charset="0"/>
+              </a:rPr>
+              <a:t>switches</a:t>
+            </a:r>
+            <a:r>
+              <a:rPr lang="es-ES" sz="1600" dirty="0">
+                <a:effectLst/>
+                <a:latin typeface="Arial" panose="020B0604020202020204" pitchFamily="34" charset="0"/>
+                <a:ea typeface="Calibri" panose="020F0502020204030204" pitchFamily="34" charset="0"/>
+                <a:cs typeface="Times New Roman" panose="02020603050405020304" pitchFamily="18" charset="0"/>
+              </a:rPr>
+              <a:t> puedan aprender y compartir información propia con los dispositivos que están directamente conectados. </a:t>
+            </a:r>
+            <a:endParaRPr lang="es-MX" sz="1600" dirty="0"/>
+          </a:p>
+        </p:txBody>
+      </p:sp>
+      <p:sp>
+        <p:nvSpPr>
+          <p:cNvPr id="27" name="CuadroTexto 26">
+            <a:extLst>
+              <a:ext uri="{FF2B5EF4-FFF2-40B4-BE49-F238E27FC236}">
+                <a16:creationId xmlns:a16="http://schemas.microsoft.com/office/drawing/2014/main" id="{ECA3150D-D1AB-4A71-A84E-A19A0ECCD9EB}"/>
+              </a:ext>
+            </a:extLst>
+          </p:cNvPr>
+          <p:cNvSpPr txBox="1"/>
+          <p:nvPr/>
+        </p:nvSpPr>
+        <p:spPr>
+          <a:xfrm>
+            <a:off x="9553073" y="2973972"/>
+            <a:ext cx="2045369" cy="1529842"/>
+          </a:xfrm>
+          <a:prstGeom prst="rect">
+            <a:avLst/>
+          </a:prstGeom>
+          <a:noFill/>
+        </p:spPr>
+        <p:txBody>
+          <a:bodyPr wrap="square">
+            <a:spAutoFit/>
+          </a:bodyPr>
+          <a:lstStyle/>
+          <a:p>
+            <a:pPr>
+              <a:lnSpc>
+                <a:spcPct val="150000"/>
+              </a:lnSpc>
+            </a:pPr>
+            <a:r>
+              <a:rPr lang="es-ES" sz="1600" dirty="0">
+                <a:latin typeface="Arial" panose="020B0604020202020204" pitchFamily="34" charset="0"/>
+                <a:ea typeface="Calibri" panose="020F0502020204030204" pitchFamily="34" charset="0"/>
+                <a:cs typeface="Times New Roman" panose="02020603050405020304" pitchFamily="18" charset="0"/>
+              </a:rPr>
+              <a:t>El Gateway simula tener contacto con la LAN.</a:t>
+            </a:r>
+          </a:p>
+          <a:p>
+            <a:pPr>
+              <a:lnSpc>
+                <a:spcPct val="150000"/>
+              </a:lnSpc>
+            </a:pPr>
+            <a:r>
+              <a:rPr lang="es-ES" sz="1600" dirty="0">
+                <a:effectLst/>
+                <a:latin typeface="Arial" panose="020B0604020202020204" pitchFamily="34" charset="0"/>
+                <a:ea typeface="Calibri" panose="020F0502020204030204" pitchFamily="34" charset="0"/>
+                <a:cs typeface="Times New Roman" panose="02020603050405020304" pitchFamily="18" charset="0"/>
+              </a:rPr>
+              <a:t> </a:t>
+            </a:r>
+            <a:endParaRPr lang="es-MX" sz="1600" dirty="0"/>
+          </a:p>
+        </p:txBody>
+      </p:sp>
     </p:spTree>
     <p:extLst>
       <p:ext uri="{BB962C8B-B14F-4D97-AF65-F5344CB8AC3E}">
         <p14:creationId xmlns:p14="http://schemas.microsoft.com/office/powerpoint/2010/main" val="3446508881"/>
+      </p:ext>
+    </p:extLst>
+  </p:cSld>
+  <p:clrMapOvr>
+    <a:masterClrMapping/>
+  </p:clrMapOvr>
+</p:sld>
+</file>
+
+<file path=ppt/slides/slide2.xml><?xml version="1.0" encoding="utf-8"?>
+<p:sld xmlns:a="http://schemas.openxmlformats.org/drawingml/2006/main" xmlns:r="http://schemas.openxmlformats.org/officeDocument/2006/relationships" xmlns:p="http://schemas.openxmlformats.org/presentationml/2006/main">
+  <p:cSld>
+    <p:spTree>
+      <p:nvGrpSpPr>
+        <p:cNvPr id="1" name=""/>
+        <p:cNvGrpSpPr/>
+        <p:nvPr/>
+      </p:nvGrpSpPr>
+      <p:grpSpPr>
+        <a:xfrm>
+          <a:off x="0" y="0"/>
+          <a:ext cx="0" cy="0"/>
+          <a:chOff x="0" y="0"/>
+          <a:chExt cx="0" cy="0"/>
+        </a:xfrm>
+      </p:grpSpPr>
+      <p:sp>
+        <p:nvSpPr>
+          <p:cNvPr id="5" name="Rectángulo 4">
+            <a:extLst>
+              <a:ext uri="{FF2B5EF4-FFF2-40B4-BE49-F238E27FC236}">
+                <a16:creationId xmlns:a16="http://schemas.microsoft.com/office/drawing/2014/main" id="{B842774D-DB33-44AC-ADB0-2B035F88BAB5}"/>
+              </a:ext>
+            </a:extLst>
+          </p:cNvPr>
+          <p:cNvSpPr/>
+          <p:nvPr/>
+        </p:nvSpPr>
+        <p:spPr>
+          <a:xfrm>
+            <a:off x="1941643" y="152401"/>
+            <a:ext cx="7518340" cy="523220"/>
+          </a:xfrm>
+          <a:prstGeom prst="rect">
+            <a:avLst/>
+          </a:prstGeom>
+        </p:spPr>
+        <p:txBody>
+          <a:bodyPr wrap="none">
+            <a:spAutoFit/>
+          </a:bodyPr>
+          <a:lstStyle/>
+          <a:p>
+            <a:pPr marL="685800">
+              <a:spcBef>
+                <a:spcPts val="290"/>
+              </a:spcBef>
+              <a:spcAft>
+                <a:spcPts val="0"/>
+              </a:spcAft>
+            </a:pPr>
+            <a:r>
+              <a:rPr lang="en-US" sz="2800" b="1" dirty="0">
+                <a:latin typeface="Arial" panose="020B0604020202020204" pitchFamily="34" charset="0"/>
+                <a:ea typeface="Calibri" panose="020F0502020204030204" pitchFamily="34" charset="0"/>
+                <a:cs typeface="Times New Roman" panose="02020603050405020304" pitchFamily="18" charset="0"/>
+              </a:rPr>
+              <a:t>Lab</a:t>
+            </a:r>
+            <a:r>
+              <a:rPr lang="en-US" sz="2800" b="1" spc="-55" dirty="0">
+                <a:latin typeface="Arial" panose="020B0604020202020204" pitchFamily="34" charset="0"/>
+                <a:ea typeface="Calibri" panose="020F0502020204030204" pitchFamily="34" charset="0"/>
+                <a:cs typeface="Times New Roman" panose="02020603050405020304" pitchFamily="18" charset="0"/>
+              </a:rPr>
+              <a:t> </a:t>
+            </a:r>
+            <a:r>
+              <a:rPr lang="en-US" sz="2800" b="1" dirty="0">
+                <a:latin typeface="Arial" panose="020B0604020202020204" pitchFamily="34" charset="0"/>
+                <a:ea typeface="Calibri" panose="020F0502020204030204" pitchFamily="34" charset="0"/>
+                <a:cs typeface="Times New Roman" panose="02020603050405020304" pitchFamily="18" charset="0"/>
+              </a:rPr>
+              <a:t>10.1.2.5</a:t>
+            </a:r>
+            <a:r>
+              <a:rPr lang="en-US" sz="2800" b="1" spc="-35" dirty="0">
+                <a:latin typeface="Arial" panose="020B0604020202020204" pitchFamily="34" charset="0"/>
+                <a:ea typeface="Calibri" panose="020F0502020204030204" pitchFamily="34" charset="0"/>
+                <a:cs typeface="Times New Roman" panose="02020603050405020304" pitchFamily="18" charset="0"/>
+              </a:rPr>
+              <a:t> </a:t>
+            </a:r>
+            <a:r>
+              <a:rPr lang="en-US" sz="2800" b="1" dirty="0">
+                <a:latin typeface="Arial" panose="020B0604020202020204" pitchFamily="34" charset="0"/>
+                <a:ea typeface="Calibri" panose="020F0502020204030204" pitchFamily="34" charset="0"/>
+                <a:cs typeface="Times New Roman" panose="02020603050405020304" pitchFamily="18" charset="0"/>
+              </a:rPr>
+              <a:t>-</a:t>
+            </a:r>
+            <a:r>
+              <a:rPr lang="en-US" sz="2800" b="1" spc="-50" dirty="0">
+                <a:latin typeface="Arial" panose="020B0604020202020204" pitchFamily="34" charset="0"/>
+                <a:ea typeface="Calibri" panose="020F0502020204030204" pitchFamily="34" charset="0"/>
+                <a:cs typeface="Times New Roman" panose="02020603050405020304" pitchFamily="18" charset="0"/>
+              </a:rPr>
+              <a:t> </a:t>
+            </a:r>
+            <a:r>
+              <a:rPr lang="en-US" sz="2800" b="1" spc="-5" dirty="0">
+                <a:latin typeface="Arial" panose="020B0604020202020204" pitchFamily="34" charset="0"/>
+                <a:ea typeface="Calibri" panose="020F0502020204030204" pitchFamily="34" charset="0"/>
+                <a:cs typeface="Times New Roman" panose="02020603050405020304" pitchFamily="18" charset="0"/>
+              </a:rPr>
+              <a:t>Configure</a:t>
+            </a:r>
+            <a:r>
+              <a:rPr lang="en-US" sz="2800" b="1" spc="-35" dirty="0">
+                <a:latin typeface="Arial" panose="020B0604020202020204" pitchFamily="34" charset="0"/>
+                <a:ea typeface="Calibri" panose="020F0502020204030204" pitchFamily="34" charset="0"/>
+                <a:cs typeface="Times New Roman" panose="02020603050405020304" pitchFamily="18" charset="0"/>
+              </a:rPr>
+              <a:t> </a:t>
+            </a:r>
+            <a:r>
+              <a:rPr lang="en-US" sz="2800" b="1" dirty="0">
+                <a:latin typeface="Arial" panose="020B0604020202020204" pitchFamily="34" charset="0"/>
+                <a:ea typeface="Calibri" panose="020F0502020204030204" pitchFamily="34" charset="0"/>
+                <a:cs typeface="Times New Roman" panose="02020603050405020304" pitchFamily="18" charset="0"/>
+              </a:rPr>
+              <a:t>CDP</a:t>
+            </a:r>
+            <a:r>
+              <a:rPr lang="en-US" sz="2800" b="1" spc="-50" dirty="0">
+                <a:latin typeface="Arial" panose="020B0604020202020204" pitchFamily="34" charset="0"/>
+                <a:ea typeface="Calibri" panose="020F0502020204030204" pitchFamily="34" charset="0"/>
+                <a:cs typeface="Times New Roman" panose="02020603050405020304" pitchFamily="18" charset="0"/>
+              </a:rPr>
+              <a:t> </a:t>
+            </a:r>
+            <a:r>
+              <a:rPr lang="en-US" sz="2800" b="1" dirty="0">
+                <a:latin typeface="Arial" panose="020B0604020202020204" pitchFamily="34" charset="0"/>
+                <a:ea typeface="Calibri" panose="020F0502020204030204" pitchFamily="34" charset="0"/>
+                <a:cs typeface="Times New Roman" panose="02020603050405020304" pitchFamily="18" charset="0"/>
+              </a:rPr>
+              <a:t>and</a:t>
+            </a:r>
+            <a:r>
+              <a:rPr lang="en-US" sz="2800" b="1" spc="-55" dirty="0">
+                <a:latin typeface="Arial" panose="020B0604020202020204" pitchFamily="34" charset="0"/>
+                <a:ea typeface="Calibri" panose="020F0502020204030204" pitchFamily="34" charset="0"/>
+                <a:cs typeface="Times New Roman" panose="02020603050405020304" pitchFamily="18" charset="0"/>
+              </a:rPr>
+              <a:t> </a:t>
+            </a:r>
+            <a:r>
+              <a:rPr lang="en-US" sz="2800" b="1" dirty="0">
+                <a:latin typeface="Arial" panose="020B0604020202020204" pitchFamily="34" charset="0"/>
+                <a:ea typeface="Calibri" panose="020F0502020204030204" pitchFamily="34" charset="0"/>
+                <a:cs typeface="Times New Roman" panose="02020603050405020304" pitchFamily="18" charset="0"/>
+              </a:rPr>
+              <a:t>LLDP</a:t>
+            </a:r>
+            <a:endParaRPr lang="es-MX" sz="2800" dirty="0">
+              <a:effectLst/>
+              <a:latin typeface="Calibri" panose="020F0502020204030204" pitchFamily="34" charset="0"/>
+              <a:ea typeface="Calibri" panose="020F0502020204030204" pitchFamily="34" charset="0"/>
+              <a:cs typeface="Times New Roman" panose="02020603050405020304" pitchFamily="18" charset="0"/>
+            </a:endParaRPr>
+          </a:p>
+        </p:txBody>
+      </p:sp>
+      <p:pic>
+        <p:nvPicPr>
+          <p:cNvPr id="3" name="Imagen 2">
+            <a:extLst>
+              <a:ext uri="{FF2B5EF4-FFF2-40B4-BE49-F238E27FC236}">
+                <a16:creationId xmlns:a16="http://schemas.microsoft.com/office/drawing/2014/main" id="{03C669DD-82AC-4769-B75E-F56DB63A2DDF}"/>
+              </a:ext>
+            </a:extLst>
+          </p:cNvPr>
+          <p:cNvPicPr>
+            <a:picLocks noChangeAspect="1"/>
+          </p:cNvPicPr>
+          <p:nvPr/>
+        </p:nvPicPr>
+        <p:blipFill>
+          <a:blip r:embed="rId2"/>
+          <a:stretch>
+            <a:fillRect/>
+          </a:stretch>
+        </p:blipFill>
+        <p:spPr>
+          <a:xfrm>
+            <a:off x="2076550" y="2056652"/>
+            <a:ext cx="7248525" cy="4076700"/>
+          </a:xfrm>
+          <a:prstGeom prst="rect">
+            <a:avLst/>
+          </a:prstGeom>
+        </p:spPr>
+      </p:pic>
+      <p:sp>
+        <p:nvSpPr>
+          <p:cNvPr id="26" name="CuadroTexto 25">
+            <a:extLst>
+              <a:ext uri="{FF2B5EF4-FFF2-40B4-BE49-F238E27FC236}">
+                <a16:creationId xmlns:a16="http://schemas.microsoft.com/office/drawing/2014/main" id="{C11FFB63-73D8-498D-9AA7-3D80E6F98888}"/>
+              </a:ext>
+            </a:extLst>
+          </p:cNvPr>
+          <p:cNvSpPr txBox="1"/>
+          <p:nvPr/>
+        </p:nvSpPr>
+        <p:spPr>
+          <a:xfrm>
+            <a:off x="561473" y="914400"/>
+            <a:ext cx="9946105" cy="791179"/>
+          </a:xfrm>
+          <a:prstGeom prst="rect">
+            <a:avLst/>
+          </a:prstGeom>
+          <a:noFill/>
+        </p:spPr>
+        <p:txBody>
+          <a:bodyPr wrap="square">
+            <a:spAutoFit/>
+          </a:bodyPr>
+          <a:lstStyle/>
+          <a:p>
+            <a:pPr>
+              <a:lnSpc>
+                <a:spcPct val="150000"/>
+              </a:lnSpc>
+            </a:pPr>
+            <a:r>
+              <a:rPr lang="es-ES" sz="1600" b="1" dirty="0">
+                <a:effectLst/>
+                <a:latin typeface="Arial" panose="020B0604020202020204" pitchFamily="34" charset="0"/>
+                <a:ea typeface="Calibri" panose="020F0502020204030204" pitchFamily="34" charset="0"/>
+                <a:cs typeface="Times New Roman" panose="02020603050405020304" pitchFamily="18" charset="0"/>
+              </a:rPr>
+              <a:t>Objetivos: </a:t>
+            </a:r>
+            <a:r>
+              <a:rPr lang="es-ES" sz="1600" dirty="0">
+                <a:effectLst/>
+                <a:latin typeface="Arial" panose="020B0604020202020204" pitchFamily="34" charset="0"/>
+                <a:ea typeface="Calibri" panose="020F0502020204030204" pitchFamily="34" charset="0"/>
+                <a:cs typeface="Times New Roman" panose="02020603050405020304" pitchFamily="18" charset="0"/>
+              </a:rPr>
+              <a:t>Revisar como los dispositivos como los </a:t>
+            </a:r>
+            <a:r>
+              <a:rPr lang="es-ES" sz="1600" dirty="0" err="1">
+                <a:effectLst/>
+                <a:latin typeface="Arial" panose="020B0604020202020204" pitchFamily="34" charset="0"/>
+                <a:ea typeface="Calibri" panose="020F0502020204030204" pitchFamily="34" charset="0"/>
+                <a:cs typeface="Times New Roman" panose="02020603050405020304" pitchFamily="18" charset="0"/>
+              </a:rPr>
+              <a:t>routers</a:t>
+            </a:r>
+            <a:r>
+              <a:rPr lang="es-ES" sz="1600" dirty="0">
+                <a:effectLst/>
+                <a:latin typeface="Arial" panose="020B0604020202020204" pitchFamily="34" charset="0"/>
+                <a:ea typeface="Calibri" panose="020F0502020204030204" pitchFamily="34" charset="0"/>
+                <a:cs typeface="Times New Roman" panose="02020603050405020304" pitchFamily="18" charset="0"/>
+              </a:rPr>
+              <a:t> o </a:t>
+            </a:r>
+            <a:r>
+              <a:rPr lang="es-ES" sz="1600" dirty="0" err="1">
+                <a:effectLst/>
+                <a:latin typeface="Arial" panose="020B0604020202020204" pitchFamily="34" charset="0"/>
+                <a:ea typeface="Calibri" panose="020F0502020204030204" pitchFamily="34" charset="0"/>
+                <a:cs typeface="Times New Roman" panose="02020603050405020304" pitchFamily="18" charset="0"/>
+              </a:rPr>
+              <a:t>switches</a:t>
+            </a:r>
+            <a:r>
+              <a:rPr lang="es-ES" sz="1600" dirty="0">
+                <a:effectLst/>
+                <a:latin typeface="Arial" panose="020B0604020202020204" pitchFamily="34" charset="0"/>
+                <a:ea typeface="Calibri" panose="020F0502020204030204" pitchFamily="34" charset="0"/>
+                <a:cs typeface="Times New Roman" panose="02020603050405020304" pitchFamily="18" charset="0"/>
+              </a:rPr>
+              <a:t> puedan aprender y compartir información propia con los dispositivos que están directamente conectados. </a:t>
+            </a:r>
+            <a:endParaRPr lang="es-MX" sz="1600" dirty="0"/>
+          </a:p>
+        </p:txBody>
+      </p:sp>
+      <p:sp>
+        <p:nvSpPr>
+          <p:cNvPr id="27" name="CuadroTexto 26">
+            <a:extLst>
+              <a:ext uri="{FF2B5EF4-FFF2-40B4-BE49-F238E27FC236}">
+                <a16:creationId xmlns:a16="http://schemas.microsoft.com/office/drawing/2014/main" id="{ECA3150D-D1AB-4A71-A84E-A19A0ECCD9EB}"/>
+              </a:ext>
+            </a:extLst>
+          </p:cNvPr>
+          <p:cNvSpPr txBox="1"/>
+          <p:nvPr/>
+        </p:nvSpPr>
+        <p:spPr>
+          <a:xfrm>
+            <a:off x="9553073" y="2973972"/>
+            <a:ext cx="2045369" cy="1529842"/>
+          </a:xfrm>
+          <a:prstGeom prst="rect">
+            <a:avLst/>
+          </a:prstGeom>
+          <a:noFill/>
+        </p:spPr>
+        <p:txBody>
+          <a:bodyPr wrap="square">
+            <a:spAutoFit/>
+          </a:bodyPr>
+          <a:lstStyle/>
+          <a:p>
+            <a:pPr>
+              <a:lnSpc>
+                <a:spcPct val="150000"/>
+              </a:lnSpc>
+            </a:pPr>
+            <a:r>
+              <a:rPr lang="es-ES" sz="1600" dirty="0">
+                <a:latin typeface="Arial" panose="020B0604020202020204" pitchFamily="34" charset="0"/>
+                <a:ea typeface="Calibri" panose="020F0502020204030204" pitchFamily="34" charset="0"/>
+                <a:cs typeface="Times New Roman" panose="02020603050405020304" pitchFamily="18" charset="0"/>
+              </a:rPr>
+              <a:t>El Gateway simula tener contacto con la LAN.</a:t>
+            </a:r>
+          </a:p>
+          <a:p>
+            <a:pPr>
+              <a:lnSpc>
+                <a:spcPct val="150000"/>
+              </a:lnSpc>
+            </a:pPr>
+            <a:r>
+              <a:rPr lang="es-ES" sz="1600" dirty="0">
+                <a:effectLst/>
+                <a:latin typeface="Arial" panose="020B0604020202020204" pitchFamily="34" charset="0"/>
+                <a:ea typeface="Calibri" panose="020F0502020204030204" pitchFamily="34" charset="0"/>
+                <a:cs typeface="Times New Roman" panose="02020603050405020304" pitchFamily="18" charset="0"/>
+              </a:rPr>
+              <a:t> </a:t>
+            </a:r>
+            <a:endParaRPr lang="es-MX" sz="1600" dirty="0"/>
+          </a:p>
+        </p:txBody>
+      </p:sp>
+    </p:spTree>
+    <p:extLst>
+      <p:ext uri="{BB962C8B-B14F-4D97-AF65-F5344CB8AC3E}">
+        <p14:creationId xmlns:p14="http://schemas.microsoft.com/office/powerpoint/2010/main" val="1759351663"/>
+      </p:ext>
+    </p:extLst>
+  </p:cSld>
+  <p:clrMapOvr>
+    <a:masterClrMapping/>
+  </p:clrMapOvr>
+</p:sld>
+</file>
+
+<file path=ppt/slides/slide3.xml><?xml version="1.0" encoding="utf-8"?>
+<p:sld xmlns:a="http://schemas.openxmlformats.org/drawingml/2006/main" xmlns:r="http://schemas.openxmlformats.org/officeDocument/2006/relationships" xmlns:p="http://schemas.openxmlformats.org/presentationml/2006/main">
+  <p:cSld>
+    <p:spTree>
+      <p:nvGrpSpPr>
+        <p:cNvPr id="1" name=""/>
+        <p:cNvGrpSpPr/>
+        <p:nvPr/>
+      </p:nvGrpSpPr>
+      <p:grpSpPr>
+        <a:xfrm>
+          <a:off x="0" y="0"/>
+          <a:ext cx="0" cy="0"/>
+          <a:chOff x="0" y="0"/>
+          <a:chExt cx="0" cy="0"/>
+        </a:xfrm>
+      </p:grpSpPr>
+      <p:sp>
+        <p:nvSpPr>
+          <p:cNvPr id="5" name="Rectángulo 4">
+            <a:extLst>
+              <a:ext uri="{FF2B5EF4-FFF2-40B4-BE49-F238E27FC236}">
+                <a16:creationId xmlns:a16="http://schemas.microsoft.com/office/drawing/2014/main" id="{B842774D-DB33-44AC-ADB0-2B035F88BAB5}"/>
+              </a:ext>
+            </a:extLst>
+          </p:cNvPr>
+          <p:cNvSpPr/>
+          <p:nvPr/>
+        </p:nvSpPr>
+        <p:spPr>
+          <a:xfrm>
+            <a:off x="1941643" y="152401"/>
+            <a:ext cx="7518340" cy="523220"/>
+          </a:xfrm>
+          <a:prstGeom prst="rect">
+            <a:avLst/>
+          </a:prstGeom>
+        </p:spPr>
+        <p:txBody>
+          <a:bodyPr wrap="none">
+            <a:spAutoFit/>
+          </a:bodyPr>
+          <a:lstStyle/>
+          <a:p>
+            <a:pPr marL="685800">
+              <a:spcBef>
+                <a:spcPts val="290"/>
+              </a:spcBef>
+              <a:spcAft>
+                <a:spcPts val="0"/>
+              </a:spcAft>
+            </a:pPr>
+            <a:r>
+              <a:rPr lang="en-US" sz="2800" b="1" dirty="0">
+                <a:latin typeface="Arial" panose="020B0604020202020204" pitchFamily="34" charset="0"/>
+                <a:ea typeface="Calibri" panose="020F0502020204030204" pitchFamily="34" charset="0"/>
+                <a:cs typeface="Times New Roman" panose="02020603050405020304" pitchFamily="18" charset="0"/>
+              </a:rPr>
+              <a:t>Lab</a:t>
+            </a:r>
+            <a:r>
+              <a:rPr lang="en-US" sz="2800" b="1" spc="-55" dirty="0">
+                <a:latin typeface="Arial" panose="020B0604020202020204" pitchFamily="34" charset="0"/>
+                <a:ea typeface="Calibri" panose="020F0502020204030204" pitchFamily="34" charset="0"/>
+                <a:cs typeface="Times New Roman" panose="02020603050405020304" pitchFamily="18" charset="0"/>
+              </a:rPr>
+              <a:t> </a:t>
+            </a:r>
+            <a:r>
+              <a:rPr lang="en-US" sz="2800" b="1" dirty="0">
+                <a:latin typeface="Arial" panose="020B0604020202020204" pitchFamily="34" charset="0"/>
+                <a:ea typeface="Calibri" panose="020F0502020204030204" pitchFamily="34" charset="0"/>
+                <a:cs typeface="Times New Roman" panose="02020603050405020304" pitchFamily="18" charset="0"/>
+              </a:rPr>
+              <a:t>10.1.2.5</a:t>
+            </a:r>
+            <a:r>
+              <a:rPr lang="en-US" sz="2800" b="1" spc="-35" dirty="0">
+                <a:latin typeface="Arial" panose="020B0604020202020204" pitchFamily="34" charset="0"/>
+                <a:ea typeface="Calibri" panose="020F0502020204030204" pitchFamily="34" charset="0"/>
+                <a:cs typeface="Times New Roman" panose="02020603050405020304" pitchFamily="18" charset="0"/>
+              </a:rPr>
+              <a:t> </a:t>
+            </a:r>
+            <a:r>
+              <a:rPr lang="en-US" sz="2800" b="1" dirty="0">
+                <a:latin typeface="Arial" panose="020B0604020202020204" pitchFamily="34" charset="0"/>
+                <a:ea typeface="Calibri" panose="020F0502020204030204" pitchFamily="34" charset="0"/>
+                <a:cs typeface="Times New Roman" panose="02020603050405020304" pitchFamily="18" charset="0"/>
+              </a:rPr>
+              <a:t>-</a:t>
+            </a:r>
+            <a:r>
+              <a:rPr lang="en-US" sz="2800" b="1" spc="-50" dirty="0">
+                <a:latin typeface="Arial" panose="020B0604020202020204" pitchFamily="34" charset="0"/>
+                <a:ea typeface="Calibri" panose="020F0502020204030204" pitchFamily="34" charset="0"/>
+                <a:cs typeface="Times New Roman" panose="02020603050405020304" pitchFamily="18" charset="0"/>
+              </a:rPr>
+              <a:t> </a:t>
+            </a:r>
+            <a:r>
+              <a:rPr lang="en-US" sz="2800" b="1" spc="-5" dirty="0">
+                <a:latin typeface="Arial" panose="020B0604020202020204" pitchFamily="34" charset="0"/>
+                <a:ea typeface="Calibri" panose="020F0502020204030204" pitchFamily="34" charset="0"/>
+                <a:cs typeface="Times New Roman" panose="02020603050405020304" pitchFamily="18" charset="0"/>
+              </a:rPr>
+              <a:t>Configure</a:t>
+            </a:r>
+            <a:r>
+              <a:rPr lang="en-US" sz="2800" b="1" spc="-35" dirty="0">
+                <a:latin typeface="Arial" panose="020B0604020202020204" pitchFamily="34" charset="0"/>
+                <a:ea typeface="Calibri" panose="020F0502020204030204" pitchFamily="34" charset="0"/>
+                <a:cs typeface="Times New Roman" panose="02020603050405020304" pitchFamily="18" charset="0"/>
+              </a:rPr>
+              <a:t> </a:t>
+            </a:r>
+            <a:r>
+              <a:rPr lang="en-US" sz="2800" b="1" dirty="0">
+                <a:latin typeface="Arial" panose="020B0604020202020204" pitchFamily="34" charset="0"/>
+                <a:ea typeface="Calibri" panose="020F0502020204030204" pitchFamily="34" charset="0"/>
+                <a:cs typeface="Times New Roman" panose="02020603050405020304" pitchFamily="18" charset="0"/>
+              </a:rPr>
+              <a:t>CDP</a:t>
+            </a:r>
+            <a:r>
+              <a:rPr lang="en-US" sz="2800" b="1" spc="-50" dirty="0">
+                <a:latin typeface="Arial" panose="020B0604020202020204" pitchFamily="34" charset="0"/>
+                <a:ea typeface="Calibri" panose="020F0502020204030204" pitchFamily="34" charset="0"/>
+                <a:cs typeface="Times New Roman" panose="02020603050405020304" pitchFamily="18" charset="0"/>
+              </a:rPr>
+              <a:t> </a:t>
+            </a:r>
+            <a:r>
+              <a:rPr lang="en-US" sz="2800" b="1" dirty="0">
+                <a:latin typeface="Arial" panose="020B0604020202020204" pitchFamily="34" charset="0"/>
+                <a:ea typeface="Calibri" panose="020F0502020204030204" pitchFamily="34" charset="0"/>
+                <a:cs typeface="Times New Roman" panose="02020603050405020304" pitchFamily="18" charset="0"/>
+              </a:rPr>
+              <a:t>and</a:t>
+            </a:r>
+            <a:r>
+              <a:rPr lang="en-US" sz="2800" b="1" spc="-55" dirty="0">
+                <a:latin typeface="Arial" panose="020B0604020202020204" pitchFamily="34" charset="0"/>
+                <a:ea typeface="Calibri" panose="020F0502020204030204" pitchFamily="34" charset="0"/>
+                <a:cs typeface="Times New Roman" panose="02020603050405020304" pitchFamily="18" charset="0"/>
+              </a:rPr>
+              <a:t> </a:t>
+            </a:r>
+            <a:r>
+              <a:rPr lang="en-US" sz="2800" b="1" dirty="0">
+                <a:latin typeface="Arial" panose="020B0604020202020204" pitchFamily="34" charset="0"/>
+                <a:ea typeface="Calibri" panose="020F0502020204030204" pitchFamily="34" charset="0"/>
+                <a:cs typeface="Times New Roman" panose="02020603050405020304" pitchFamily="18" charset="0"/>
+              </a:rPr>
+              <a:t>LLDP</a:t>
+            </a:r>
+            <a:endParaRPr lang="es-MX" sz="2800" dirty="0">
+              <a:effectLst/>
+              <a:latin typeface="Calibri" panose="020F0502020204030204" pitchFamily="34" charset="0"/>
+              <a:ea typeface="Calibri" panose="020F0502020204030204" pitchFamily="34" charset="0"/>
+              <a:cs typeface="Times New Roman" panose="02020603050405020304" pitchFamily="18" charset="0"/>
+            </a:endParaRPr>
+          </a:p>
+        </p:txBody>
+      </p:sp>
+      <p:pic>
+        <p:nvPicPr>
+          <p:cNvPr id="3" name="Imagen 2">
+            <a:extLst>
+              <a:ext uri="{FF2B5EF4-FFF2-40B4-BE49-F238E27FC236}">
+                <a16:creationId xmlns:a16="http://schemas.microsoft.com/office/drawing/2014/main" id="{03C669DD-82AC-4769-B75E-F56DB63A2DDF}"/>
+              </a:ext>
+            </a:extLst>
+          </p:cNvPr>
+          <p:cNvPicPr>
+            <a:picLocks noChangeAspect="1"/>
+          </p:cNvPicPr>
+          <p:nvPr/>
+        </p:nvPicPr>
+        <p:blipFill>
+          <a:blip r:embed="rId2"/>
+          <a:stretch>
+            <a:fillRect/>
+          </a:stretch>
+        </p:blipFill>
+        <p:spPr>
+          <a:xfrm>
+            <a:off x="2605940" y="2237491"/>
+            <a:ext cx="7248525" cy="4076700"/>
+          </a:xfrm>
+          <a:prstGeom prst="rect">
+            <a:avLst/>
+          </a:prstGeom>
+        </p:spPr>
+      </p:pic>
+      <p:sp>
+        <p:nvSpPr>
+          <p:cNvPr id="26" name="CuadroTexto 25">
+            <a:extLst>
+              <a:ext uri="{FF2B5EF4-FFF2-40B4-BE49-F238E27FC236}">
+                <a16:creationId xmlns:a16="http://schemas.microsoft.com/office/drawing/2014/main" id="{C11FFB63-73D8-498D-9AA7-3D80E6F98888}"/>
+              </a:ext>
+            </a:extLst>
+          </p:cNvPr>
+          <p:cNvSpPr txBox="1"/>
+          <p:nvPr/>
+        </p:nvSpPr>
+        <p:spPr>
+          <a:xfrm>
+            <a:off x="850231" y="866274"/>
+            <a:ext cx="9946105" cy="1160511"/>
+          </a:xfrm>
+          <a:prstGeom prst="rect">
+            <a:avLst/>
+          </a:prstGeom>
+          <a:noFill/>
+        </p:spPr>
+        <p:txBody>
+          <a:bodyPr wrap="square">
+            <a:spAutoFit/>
+          </a:bodyPr>
+          <a:lstStyle/>
+          <a:p>
+            <a:pPr>
+              <a:lnSpc>
+                <a:spcPct val="150000"/>
+              </a:lnSpc>
+            </a:pPr>
+            <a:r>
+              <a:rPr lang="es-ES" sz="1600" dirty="0">
+                <a:effectLst/>
+                <a:latin typeface="Arial" panose="020B0604020202020204" pitchFamily="34" charset="0"/>
+                <a:ea typeface="Calibri" panose="020F0502020204030204" pitchFamily="34" charset="0"/>
+              </a:rPr>
+              <a:t>Utilizaremos un protocolo conocido como </a:t>
+            </a:r>
+            <a:r>
+              <a:rPr lang="es-ES" sz="1600" b="1" dirty="0">
+                <a:effectLst/>
+                <a:latin typeface="Arial" panose="020B0604020202020204" pitchFamily="34" charset="0"/>
+                <a:ea typeface="Calibri" panose="020F0502020204030204" pitchFamily="34" charset="0"/>
+              </a:rPr>
+              <a:t>CDP (Cisco Discovery </a:t>
+            </a:r>
+            <a:r>
+              <a:rPr lang="es-ES" sz="1600" b="1" dirty="0" err="1">
+                <a:effectLst/>
+                <a:latin typeface="Arial" panose="020B0604020202020204" pitchFamily="34" charset="0"/>
+                <a:ea typeface="Calibri" panose="020F0502020204030204" pitchFamily="34" charset="0"/>
+              </a:rPr>
+              <a:t>Protocol</a:t>
+            </a:r>
+            <a:r>
+              <a:rPr lang="es-ES" sz="1600" b="1" dirty="0">
+                <a:effectLst/>
+                <a:latin typeface="Arial" panose="020B0604020202020204" pitchFamily="34" charset="0"/>
+                <a:ea typeface="Calibri" panose="020F0502020204030204" pitchFamily="34" charset="0"/>
+              </a:rPr>
+              <a:t>) </a:t>
+            </a:r>
+            <a:r>
+              <a:rPr lang="es-ES" sz="1600" dirty="0">
+                <a:effectLst/>
+                <a:latin typeface="Arial" panose="020B0604020202020204" pitchFamily="34" charset="0"/>
+                <a:ea typeface="Calibri" panose="020F0502020204030204" pitchFamily="34" charset="0"/>
+              </a:rPr>
+              <a:t>que nos permite descubrir en </a:t>
+            </a:r>
+            <a:r>
+              <a:rPr lang="es-ES" sz="1600" dirty="0" err="1">
+                <a:effectLst/>
+                <a:latin typeface="Arial" panose="020B0604020202020204" pitchFamily="34" charset="0"/>
+                <a:ea typeface="Calibri" panose="020F0502020204030204" pitchFamily="34" charset="0"/>
+              </a:rPr>
+              <a:t>routers</a:t>
+            </a:r>
+            <a:r>
+              <a:rPr lang="es-ES" sz="1600" dirty="0">
+                <a:effectLst/>
+                <a:latin typeface="Arial" panose="020B0604020202020204" pitchFamily="34" charset="0"/>
+                <a:ea typeface="Calibri" panose="020F0502020204030204" pitchFamily="34" charset="0"/>
+              </a:rPr>
+              <a:t> o </a:t>
+            </a:r>
+            <a:r>
+              <a:rPr lang="es-ES" sz="1600" dirty="0" err="1">
+                <a:effectLst/>
+                <a:latin typeface="Arial" panose="020B0604020202020204" pitchFamily="34" charset="0"/>
+                <a:ea typeface="Calibri" panose="020F0502020204030204" pitchFamily="34" charset="0"/>
+              </a:rPr>
+              <a:t>switches</a:t>
+            </a:r>
+            <a:r>
+              <a:rPr lang="es-ES" sz="1600" dirty="0">
+                <a:effectLst/>
+                <a:latin typeface="Arial" panose="020B0604020202020204" pitchFamily="34" charset="0"/>
+                <a:ea typeface="Calibri" panose="020F0502020204030204" pitchFamily="34" charset="0"/>
+              </a:rPr>
+              <a:t> información de los dispositivos que tienen directamente conectados (puertos utilizados, nombre de los dispositivos, modelo, IP, </a:t>
+            </a:r>
+            <a:r>
+              <a:rPr lang="es-ES" sz="1600" dirty="0" err="1">
+                <a:effectLst/>
+                <a:latin typeface="Arial" panose="020B0604020202020204" pitchFamily="34" charset="0"/>
+                <a:ea typeface="Calibri" panose="020F0502020204030204" pitchFamily="34" charset="0"/>
+              </a:rPr>
+              <a:t>etc</a:t>
+            </a:r>
+            <a:r>
+              <a:rPr lang="es-ES" sz="1600" dirty="0">
+                <a:effectLst/>
+                <a:latin typeface="Arial" panose="020B0604020202020204" pitchFamily="34" charset="0"/>
+                <a:ea typeface="Calibri" panose="020F0502020204030204" pitchFamily="34" charset="0"/>
+              </a:rPr>
+              <a:t>), lo que permite construir un mapa de adyacencias.</a:t>
+            </a:r>
+            <a:endParaRPr lang="es-MX" sz="1600" dirty="0"/>
+          </a:p>
+        </p:txBody>
+      </p:sp>
+      <p:sp>
+        <p:nvSpPr>
+          <p:cNvPr id="6" name="CuadroTexto 5">
+            <a:extLst>
+              <a:ext uri="{FF2B5EF4-FFF2-40B4-BE49-F238E27FC236}">
+                <a16:creationId xmlns:a16="http://schemas.microsoft.com/office/drawing/2014/main" id="{BA4C3F53-FE27-4149-A94F-1B6B136E3179}"/>
+              </a:ext>
+            </a:extLst>
+          </p:cNvPr>
+          <p:cNvSpPr txBox="1"/>
+          <p:nvPr/>
+        </p:nvSpPr>
+        <p:spPr>
+          <a:xfrm>
+            <a:off x="850231" y="2217438"/>
+            <a:ext cx="3202557" cy="1160511"/>
+          </a:xfrm>
+          <a:prstGeom prst="rect">
+            <a:avLst/>
+          </a:prstGeom>
+          <a:noFill/>
+        </p:spPr>
+        <p:txBody>
+          <a:bodyPr wrap="square">
+            <a:spAutoFit/>
+          </a:bodyPr>
+          <a:lstStyle/>
+          <a:p>
+            <a:pPr>
+              <a:lnSpc>
+                <a:spcPct val="150000"/>
+              </a:lnSpc>
+            </a:pPr>
+            <a:r>
+              <a:rPr lang="es-ES" sz="1600" dirty="0">
+                <a:effectLst/>
+                <a:latin typeface="Arial" panose="020B0604020202020204" pitchFamily="34" charset="0"/>
+                <a:ea typeface="Calibri" panose="020F0502020204030204" pitchFamily="34" charset="0"/>
+              </a:rPr>
+              <a:t>El protocolo </a:t>
+            </a:r>
+            <a:r>
+              <a:rPr lang="es-ES" sz="1600" b="1" dirty="0">
+                <a:effectLst/>
+                <a:latin typeface="Arial" panose="020B0604020202020204" pitchFamily="34" charset="0"/>
+                <a:ea typeface="Calibri" panose="020F0502020204030204" pitchFamily="34" charset="0"/>
+              </a:rPr>
+              <a:t>CDP</a:t>
+            </a:r>
+            <a:r>
+              <a:rPr lang="es-ES" sz="1600" dirty="0">
+                <a:effectLst/>
+                <a:latin typeface="Arial" panose="020B0604020202020204" pitchFamily="34" charset="0"/>
+                <a:ea typeface="Calibri" panose="020F0502020204030204" pitchFamily="34" charset="0"/>
+              </a:rPr>
+              <a:t> permite la interacción entre los dispositivos de forma automática.</a:t>
+            </a:r>
+            <a:endParaRPr lang="es-MX" sz="1600" dirty="0"/>
+          </a:p>
+        </p:txBody>
+      </p:sp>
+    </p:spTree>
+    <p:extLst>
+      <p:ext uri="{BB962C8B-B14F-4D97-AF65-F5344CB8AC3E}">
+        <p14:creationId xmlns:p14="http://schemas.microsoft.com/office/powerpoint/2010/main" val="121362401"/>
+      </p:ext>
+    </p:extLst>
+  </p:cSld>
+  <p:clrMapOvr>
+    <a:masterClrMapping/>
+  </p:clrMapOvr>
+</p:sld>
+</file>
+
+<file path=ppt/slides/slide4.xml><?xml version="1.0" encoding="utf-8"?>
+<p:sld xmlns:a="http://schemas.openxmlformats.org/drawingml/2006/main" xmlns:r="http://schemas.openxmlformats.org/officeDocument/2006/relationships" xmlns:p="http://schemas.openxmlformats.org/presentationml/2006/main">
+  <p:cSld>
+    <p:spTree>
+      <p:nvGrpSpPr>
+        <p:cNvPr id="1" name=""/>
+        <p:cNvGrpSpPr/>
+        <p:nvPr/>
+      </p:nvGrpSpPr>
+      <p:grpSpPr>
+        <a:xfrm>
+          <a:off x="0" y="0"/>
+          <a:ext cx="0" cy="0"/>
+          <a:chOff x="0" y="0"/>
+          <a:chExt cx="0" cy="0"/>
+        </a:xfrm>
+      </p:grpSpPr>
+      <p:sp>
+        <p:nvSpPr>
+          <p:cNvPr id="5" name="Rectángulo 4">
+            <a:extLst>
+              <a:ext uri="{FF2B5EF4-FFF2-40B4-BE49-F238E27FC236}">
+                <a16:creationId xmlns:a16="http://schemas.microsoft.com/office/drawing/2014/main" id="{B842774D-DB33-44AC-ADB0-2B035F88BAB5}"/>
+              </a:ext>
+            </a:extLst>
+          </p:cNvPr>
+          <p:cNvSpPr/>
+          <p:nvPr/>
+        </p:nvSpPr>
+        <p:spPr>
+          <a:xfrm>
+            <a:off x="1941643" y="152401"/>
+            <a:ext cx="7518340" cy="523220"/>
+          </a:xfrm>
+          <a:prstGeom prst="rect">
+            <a:avLst/>
+          </a:prstGeom>
+        </p:spPr>
+        <p:txBody>
+          <a:bodyPr wrap="none">
+            <a:spAutoFit/>
+          </a:bodyPr>
+          <a:lstStyle/>
+          <a:p>
+            <a:pPr marL="685800">
+              <a:spcBef>
+                <a:spcPts val="290"/>
+              </a:spcBef>
+              <a:spcAft>
+                <a:spcPts val="0"/>
+              </a:spcAft>
+            </a:pPr>
+            <a:r>
+              <a:rPr lang="en-US" sz="2800" b="1" dirty="0">
+                <a:latin typeface="Arial" panose="020B0604020202020204" pitchFamily="34" charset="0"/>
+                <a:ea typeface="Calibri" panose="020F0502020204030204" pitchFamily="34" charset="0"/>
+                <a:cs typeface="Times New Roman" panose="02020603050405020304" pitchFamily="18" charset="0"/>
+              </a:rPr>
+              <a:t>Lab</a:t>
+            </a:r>
+            <a:r>
+              <a:rPr lang="en-US" sz="2800" b="1" spc="-55" dirty="0">
+                <a:latin typeface="Arial" panose="020B0604020202020204" pitchFamily="34" charset="0"/>
+                <a:ea typeface="Calibri" panose="020F0502020204030204" pitchFamily="34" charset="0"/>
+                <a:cs typeface="Times New Roman" panose="02020603050405020304" pitchFamily="18" charset="0"/>
+              </a:rPr>
+              <a:t> </a:t>
+            </a:r>
+            <a:r>
+              <a:rPr lang="en-US" sz="2800" b="1" dirty="0">
+                <a:latin typeface="Arial" panose="020B0604020202020204" pitchFamily="34" charset="0"/>
+                <a:ea typeface="Calibri" panose="020F0502020204030204" pitchFamily="34" charset="0"/>
+                <a:cs typeface="Times New Roman" panose="02020603050405020304" pitchFamily="18" charset="0"/>
+              </a:rPr>
+              <a:t>10.1.2.5</a:t>
+            </a:r>
+            <a:r>
+              <a:rPr lang="en-US" sz="2800" b="1" spc="-35" dirty="0">
+                <a:latin typeface="Arial" panose="020B0604020202020204" pitchFamily="34" charset="0"/>
+                <a:ea typeface="Calibri" panose="020F0502020204030204" pitchFamily="34" charset="0"/>
+                <a:cs typeface="Times New Roman" panose="02020603050405020304" pitchFamily="18" charset="0"/>
+              </a:rPr>
+              <a:t> </a:t>
+            </a:r>
+            <a:r>
+              <a:rPr lang="en-US" sz="2800" b="1" dirty="0">
+                <a:latin typeface="Arial" panose="020B0604020202020204" pitchFamily="34" charset="0"/>
+                <a:ea typeface="Calibri" panose="020F0502020204030204" pitchFamily="34" charset="0"/>
+                <a:cs typeface="Times New Roman" panose="02020603050405020304" pitchFamily="18" charset="0"/>
+              </a:rPr>
+              <a:t>-</a:t>
+            </a:r>
+            <a:r>
+              <a:rPr lang="en-US" sz="2800" b="1" spc="-50" dirty="0">
+                <a:latin typeface="Arial" panose="020B0604020202020204" pitchFamily="34" charset="0"/>
+                <a:ea typeface="Calibri" panose="020F0502020204030204" pitchFamily="34" charset="0"/>
+                <a:cs typeface="Times New Roman" panose="02020603050405020304" pitchFamily="18" charset="0"/>
+              </a:rPr>
+              <a:t> </a:t>
+            </a:r>
+            <a:r>
+              <a:rPr lang="en-US" sz="2800" b="1" spc="-5" dirty="0">
+                <a:latin typeface="Arial" panose="020B0604020202020204" pitchFamily="34" charset="0"/>
+                <a:ea typeface="Calibri" panose="020F0502020204030204" pitchFamily="34" charset="0"/>
+                <a:cs typeface="Times New Roman" panose="02020603050405020304" pitchFamily="18" charset="0"/>
+              </a:rPr>
+              <a:t>Configure</a:t>
+            </a:r>
+            <a:r>
+              <a:rPr lang="en-US" sz="2800" b="1" spc="-35" dirty="0">
+                <a:latin typeface="Arial" panose="020B0604020202020204" pitchFamily="34" charset="0"/>
+                <a:ea typeface="Calibri" panose="020F0502020204030204" pitchFamily="34" charset="0"/>
+                <a:cs typeface="Times New Roman" panose="02020603050405020304" pitchFamily="18" charset="0"/>
+              </a:rPr>
+              <a:t> </a:t>
+            </a:r>
+            <a:r>
+              <a:rPr lang="en-US" sz="2800" b="1" dirty="0">
+                <a:latin typeface="Arial" panose="020B0604020202020204" pitchFamily="34" charset="0"/>
+                <a:ea typeface="Calibri" panose="020F0502020204030204" pitchFamily="34" charset="0"/>
+                <a:cs typeface="Times New Roman" panose="02020603050405020304" pitchFamily="18" charset="0"/>
+              </a:rPr>
+              <a:t>CDP</a:t>
+            </a:r>
+            <a:r>
+              <a:rPr lang="en-US" sz="2800" b="1" spc="-50" dirty="0">
+                <a:latin typeface="Arial" panose="020B0604020202020204" pitchFamily="34" charset="0"/>
+                <a:ea typeface="Calibri" panose="020F0502020204030204" pitchFamily="34" charset="0"/>
+                <a:cs typeface="Times New Roman" panose="02020603050405020304" pitchFamily="18" charset="0"/>
+              </a:rPr>
+              <a:t> </a:t>
+            </a:r>
+            <a:r>
+              <a:rPr lang="en-US" sz="2800" b="1" dirty="0">
+                <a:latin typeface="Arial" panose="020B0604020202020204" pitchFamily="34" charset="0"/>
+                <a:ea typeface="Calibri" panose="020F0502020204030204" pitchFamily="34" charset="0"/>
+                <a:cs typeface="Times New Roman" panose="02020603050405020304" pitchFamily="18" charset="0"/>
+              </a:rPr>
+              <a:t>and</a:t>
+            </a:r>
+            <a:r>
+              <a:rPr lang="en-US" sz="2800" b="1" spc="-55" dirty="0">
+                <a:latin typeface="Arial" panose="020B0604020202020204" pitchFamily="34" charset="0"/>
+                <a:ea typeface="Calibri" panose="020F0502020204030204" pitchFamily="34" charset="0"/>
+                <a:cs typeface="Times New Roman" panose="02020603050405020304" pitchFamily="18" charset="0"/>
+              </a:rPr>
+              <a:t> </a:t>
+            </a:r>
+            <a:r>
+              <a:rPr lang="en-US" sz="2800" b="1" dirty="0">
+                <a:latin typeface="Arial" panose="020B0604020202020204" pitchFamily="34" charset="0"/>
+                <a:ea typeface="Calibri" panose="020F0502020204030204" pitchFamily="34" charset="0"/>
+                <a:cs typeface="Times New Roman" panose="02020603050405020304" pitchFamily="18" charset="0"/>
+              </a:rPr>
+              <a:t>LLDP</a:t>
+            </a:r>
+            <a:endParaRPr lang="es-MX" sz="2800" dirty="0">
+              <a:effectLst/>
+              <a:latin typeface="Calibri" panose="020F0502020204030204" pitchFamily="34" charset="0"/>
+              <a:ea typeface="Calibri" panose="020F0502020204030204" pitchFamily="34" charset="0"/>
+              <a:cs typeface="Times New Roman" panose="02020603050405020304" pitchFamily="18" charset="0"/>
+            </a:endParaRPr>
+          </a:p>
+        </p:txBody>
+      </p:sp>
+      <p:pic>
+        <p:nvPicPr>
+          <p:cNvPr id="3" name="Imagen 2">
+            <a:extLst>
+              <a:ext uri="{FF2B5EF4-FFF2-40B4-BE49-F238E27FC236}">
+                <a16:creationId xmlns:a16="http://schemas.microsoft.com/office/drawing/2014/main" id="{03C669DD-82AC-4769-B75E-F56DB63A2DDF}"/>
+              </a:ext>
+            </a:extLst>
+          </p:cNvPr>
+          <p:cNvPicPr>
+            <a:picLocks noChangeAspect="1"/>
+          </p:cNvPicPr>
+          <p:nvPr/>
+        </p:nvPicPr>
+        <p:blipFill>
+          <a:blip r:embed="rId2"/>
+          <a:stretch>
+            <a:fillRect/>
+          </a:stretch>
+        </p:blipFill>
+        <p:spPr>
+          <a:xfrm>
+            <a:off x="2605940" y="2237491"/>
+            <a:ext cx="7248525" cy="4076700"/>
+          </a:xfrm>
+          <a:prstGeom prst="rect">
+            <a:avLst/>
+          </a:prstGeom>
+        </p:spPr>
+      </p:pic>
+      <p:sp>
+        <p:nvSpPr>
+          <p:cNvPr id="26" name="CuadroTexto 25">
+            <a:extLst>
+              <a:ext uri="{FF2B5EF4-FFF2-40B4-BE49-F238E27FC236}">
+                <a16:creationId xmlns:a16="http://schemas.microsoft.com/office/drawing/2014/main" id="{C11FFB63-73D8-498D-9AA7-3D80E6F98888}"/>
+              </a:ext>
+            </a:extLst>
+          </p:cNvPr>
+          <p:cNvSpPr txBox="1"/>
+          <p:nvPr/>
+        </p:nvSpPr>
+        <p:spPr>
+          <a:xfrm>
+            <a:off x="890336" y="794084"/>
+            <a:ext cx="9946105" cy="1154675"/>
+          </a:xfrm>
+          <a:prstGeom prst="rect">
+            <a:avLst/>
+          </a:prstGeom>
+          <a:noFill/>
+        </p:spPr>
+        <p:txBody>
+          <a:bodyPr wrap="square">
+            <a:spAutoFit/>
+          </a:bodyPr>
+          <a:lstStyle/>
+          <a:p>
+            <a:pPr>
+              <a:lnSpc>
+                <a:spcPct val="150000"/>
+              </a:lnSpc>
+            </a:pPr>
+            <a:r>
+              <a:rPr lang="es-ES" sz="1600" dirty="0">
+                <a:effectLst/>
+                <a:latin typeface="Arial" panose="020B0604020202020204" pitchFamily="34" charset="0"/>
+                <a:ea typeface="Calibri" panose="020F0502020204030204" pitchFamily="34" charset="0"/>
+              </a:rPr>
+              <a:t>El protocolo </a:t>
+            </a:r>
+            <a:r>
+              <a:rPr lang="es-ES" sz="1600" b="1" dirty="0">
+                <a:effectLst/>
+                <a:latin typeface="Arial" panose="020B0604020202020204" pitchFamily="34" charset="0"/>
+                <a:ea typeface="Calibri" panose="020F0502020204030204" pitchFamily="34" charset="0"/>
+              </a:rPr>
+              <a:t>CDP</a:t>
+            </a:r>
+            <a:r>
+              <a:rPr lang="es-ES" sz="1600" dirty="0">
+                <a:effectLst/>
+                <a:latin typeface="Arial" panose="020B0604020202020204" pitchFamily="34" charset="0"/>
+                <a:ea typeface="Calibri" panose="020F0502020204030204" pitchFamily="34" charset="0"/>
+              </a:rPr>
+              <a:t> permite el intercambio de información entre los dispositivos de forma automática, por lo que </a:t>
+            </a:r>
+            <a:r>
+              <a:rPr lang="es-ES" sz="1600" dirty="0">
+                <a:latin typeface="Arial" panose="020B0604020202020204" pitchFamily="34" charset="0"/>
+              </a:rPr>
+              <a:t>siempre será conveniente que el dispositivo que tiene conexión con el </a:t>
+            </a:r>
+            <a:r>
+              <a:rPr lang="es-ES" sz="1600" b="1" dirty="0">
+                <a:latin typeface="Arial" panose="020B0604020202020204" pitchFamily="34" charset="0"/>
+              </a:rPr>
+              <a:t>ISP</a:t>
+            </a:r>
+            <a:r>
+              <a:rPr lang="es-ES" sz="1600" dirty="0">
+                <a:latin typeface="Arial" panose="020B0604020202020204" pitchFamily="34" charset="0"/>
+              </a:rPr>
+              <a:t>, jamás haga publicaciones de información con </a:t>
+            </a:r>
+            <a:r>
+              <a:rPr lang="es-ES" sz="1600">
+                <a:latin typeface="Arial" panose="020B0604020202020204" pitchFamily="34" charset="0"/>
+              </a:rPr>
+              <a:t>su vecino, </a:t>
+            </a:r>
+            <a:r>
+              <a:rPr lang="es-ES" sz="1600" dirty="0">
+                <a:latin typeface="Arial" panose="020B0604020202020204" pitchFamily="34" charset="0"/>
+              </a:rPr>
+              <a:t>por lo que existe la forma de desactivar de esa interface el comando CDP.</a:t>
+            </a:r>
+            <a:endParaRPr lang="es-MX" sz="1600" dirty="0">
+              <a:latin typeface="Arial" panose="020B0604020202020204" pitchFamily="34" charset="0"/>
+            </a:endParaRPr>
+          </a:p>
+        </p:txBody>
+      </p:sp>
+    </p:spTree>
+    <p:extLst>
+      <p:ext uri="{BB962C8B-B14F-4D97-AF65-F5344CB8AC3E}">
+        <p14:creationId xmlns:p14="http://schemas.microsoft.com/office/powerpoint/2010/main" val="4245235055"/>
+      </p:ext>
+    </p:extLst>
+  </p:cSld>
+  <p:clrMapOvr>
+    <a:masterClrMapping/>
+  </p:clrMapOvr>
+</p:sld>
+</file>
+
+<file path=ppt/slides/slide5.xml><?xml version="1.0" encoding="utf-8"?>
+<p:sld xmlns:a="http://schemas.openxmlformats.org/drawingml/2006/main" xmlns:r="http://schemas.openxmlformats.org/officeDocument/2006/relationships" xmlns:p="http://schemas.openxmlformats.org/presentationml/2006/main">
+  <p:cSld>
+    <p:spTree>
+      <p:nvGrpSpPr>
+        <p:cNvPr id="1" name=""/>
+        <p:cNvGrpSpPr/>
+        <p:nvPr/>
+      </p:nvGrpSpPr>
+      <p:grpSpPr>
+        <a:xfrm>
+          <a:off x="0" y="0"/>
+          <a:ext cx="0" cy="0"/>
+          <a:chOff x="0" y="0"/>
+          <a:chExt cx="0" cy="0"/>
+        </a:xfrm>
+      </p:grpSpPr>
+      <p:sp>
+        <p:nvSpPr>
+          <p:cNvPr id="5" name="Rectángulo 4">
+            <a:extLst>
+              <a:ext uri="{FF2B5EF4-FFF2-40B4-BE49-F238E27FC236}">
+                <a16:creationId xmlns:a16="http://schemas.microsoft.com/office/drawing/2014/main" id="{B842774D-DB33-44AC-ADB0-2B035F88BAB5}"/>
+              </a:ext>
+            </a:extLst>
+          </p:cNvPr>
+          <p:cNvSpPr/>
+          <p:nvPr/>
+        </p:nvSpPr>
+        <p:spPr>
+          <a:xfrm>
+            <a:off x="1941643" y="152401"/>
+            <a:ext cx="7518340" cy="523220"/>
+          </a:xfrm>
+          <a:prstGeom prst="rect">
+            <a:avLst/>
+          </a:prstGeom>
+        </p:spPr>
+        <p:txBody>
+          <a:bodyPr wrap="none">
+            <a:spAutoFit/>
+          </a:bodyPr>
+          <a:lstStyle/>
+          <a:p>
+            <a:pPr marL="685800">
+              <a:spcBef>
+                <a:spcPts val="290"/>
+              </a:spcBef>
+              <a:spcAft>
+                <a:spcPts val="0"/>
+              </a:spcAft>
+            </a:pPr>
+            <a:r>
+              <a:rPr lang="en-US" sz="2800" b="1" dirty="0">
+                <a:latin typeface="Arial" panose="020B0604020202020204" pitchFamily="34" charset="0"/>
+                <a:ea typeface="Calibri" panose="020F0502020204030204" pitchFamily="34" charset="0"/>
+                <a:cs typeface="Times New Roman" panose="02020603050405020304" pitchFamily="18" charset="0"/>
+              </a:rPr>
+              <a:t>Lab</a:t>
+            </a:r>
+            <a:r>
+              <a:rPr lang="en-US" sz="2800" b="1" spc="-55" dirty="0">
+                <a:latin typeface="Arial" panose="020B0604020202020204" pitchFamily="34" charset="0"/>
+                <a:ea typeface="Calibri" panose="020F0502020204030204" pitchFamily="34" charset="0"/>
+                <a:cs typeface="Times New Roman" panose="02020603050405020304" pitchFamily="18" charset="0"/>
+              </a:rPr>
+              <a:t> </a:t>
+            </a:r>
+            <a:r>
+              <a:rPr lang="en-US" sz="2800" b="1" dirty="0">
+                <a:latin typeface="Arial" panose="020B0604020202020204" pitchFamily="34" charset="0"/>
+                <a:ea typeface="Calibri" panose="020F0502020204030204" pitchFamily="34" charset="0"/>
+                <a:cs typeface="Times New Roman" panose="02020603050405020304" pitchFamily="18" charset="0"/>
+              </a:rPr>
+              <a:t>10.1.2.5</a:t>
+            </a:r>
+            <a:r>
+              <a:rPr lang="en-US" sz="2800" b="1" spc="-35" dirty="0">
+                <a:latin typeface="Arial" panose="020B0604020202020204" pitchFamily="34" charset="0"/>
+                <a:ea typeface="Calibri" panose="020F0502020204030204" pitchFamily="34" charset="0"/>
+                <a:cs typeface="Times New Roman" panose="02020603050405020304" pitchFamily="18" charset="0"/>
+              </a:rPr>
+              <a:t> </a:t>
+            </a:r>
+            <a:r>
+              <a:rPr lang="en-US" sz="2800" b="1" dirty="0">
+                <a:latin typeface="Arial" panose="020B0604020202020204" pitchFamily="34" charset="0"/>
+                <a:ea typeface="Calibri" panose="020F0502020204030204" pitchFamily="34" charset="0"/>
+                <a:cs typeface="Times New Roman" panose="02020603050405020304" pitchFamily="18" charset="0"/>
+              </a:rPr>
+              <a:t>-</a:t>
+            </a:r>
+            <a:r>
+              <a:rPr lang="en-US" sz="2800" b="1" spc="-50" dirty="0">
+                <a:latin typeface="Arial" panose="020B0604020202020204" pitchFamily="34" charset="0"/>
+                <a:ea typeface="Calibri" panose="020F0502020204030204" pitchFamily="34" charset="0"/>
+                <a:cs typeface="Times New Roman" panose="02020603050405020304" pitchFamily="18" charset="0"/>
+              </a:rPr>
+              <a:t> </a:t>
+            </a:r>
+            <a:r>
+              <a:rPr lang="en-US" sz="2800" b="1" spc="-5" dirty="0">
+                <a:latin typeface="Arial" panose="020B0604020202020204" pitchFamily="34" charset="0"/>
+                <a:ea typeface="Calibri" panose="020F0502020204030204" pitchFamily="34" charset="0"/>
+                <a:cs typeface="Times New Roman" panose="02020603050405020304" pitchFamily="18" charset="0"/>
+              </a:rPr>
+              <a:t>Configure</a:t>
+            </a:r>
+            <a:r>
+              <a:rPr lang="en-US" sz="2800" b="1" spc="-35" dirty="0">
+                <a:latin typeface="Arial" panose="020B0604020202020204" pitchFamily="34" charset="0"/>
+                <a:ea typeface="Calibri" panose="020F0502020204030204" pitchFamily="34" charset="0"/>
+                <a:cs typeface="Times New Roman" panose="02020603050405020304" pitchFamily="18" charset="0"/>
+              </a:rPr>
+              <a:t> </a:t>
+            </a:r>
+            <a:r>
+              <a:rPr lang="en-US" sz="2800" b="1" dirty="0">
+                <a:latin typeface="Arial" panose="020B0604020202020204" pitchFamily="34" charset="0"/>
+                <a:ea typeface="Calibri" panose="020F0502020204030204" pitchFamily="34" charset="0"/>
+                <a:cs typeface="Times New Roman" panose="02020603050405020304" pitchFamily="18" charset="0"/>
+              </a:rPr>
+              <a:t>CDP</a:t>
+            </a:r>
+            <a:r>
+              <a:rPr lang="en-US" sz="2800" b="1" spc="-50" dirty="0">
+                <a:latin typeface="Arial" panose="020B0604020202020204" pitchFamily="34" charset="0"/>
+                <a:ea typeface="Calibri" panose="020F0502020204030204" pitchFamily="34" charset="0"/>
+                <a:cs typeface="Times New Roman" panose="02020603050405020304" pitchFamily="18" charset="0"/>
+              </a:rPr>
+              <a:t> </a:t>
+            </a:r>
+            <a:r>
+              <a:rPr lang="en-US" sz="2800" b="1" dirty="0">
+                <a:latin typeface="Arial" panose="020B0604020202020204" pitchFamily="34" charset="0"/>
+                <a:ea typeface="Calibri" panose="020F0502020204030204" pitchFamily="34" charset="0"/>
+                <a:cs typeface="Times New Roman" panose="02020603050405020304" pitchFamily="18" charset="0"/>
+              </a:rPr>
+              <a:t>and</a:t>
+            </a:r>
+            <a:r>
+              <a:rPr lang="en-US" sz="2800" b="1" spc="-55" dirty="0">
+                <a:latin typeface="Arial" panose="020B0604020202020204" pitchFamily="34" charset="0"/>
+                <a:ea typeface="Calibri" panose="020F0502020204030204" pitchFamily="34" charset="0"/>
+                <a:cs typeface="Times New Roman" panose="02020603050405020304" pitchFamily="18" charset="0"/>
+              </a:rPr>
+              <a:t> </a:t>
+            </a:r>
+            <a:r>
+              <a:rPr lang="en-US" sz="2800" b="1" dirty="0">
+                <a:latin typeface="Arial" panose="020B0604020202020204" pitchFamily="34" charset="0"/>
+                <a:ea typeface="Calibri" panose="020F0502020204030204" pitchFamily="34" charset="0"/>
+                <a:cs typeface="Times New Roman" panose="02020603050405020304" pitchFamily="18" charset="0"/>
+              </a:rPr>
+              <a:t>LLDP</a:t>
+            </a:r>
+            <a:endParaRPr lang="es-MX" sz="2800" dirty="0">
+              <a:effectLst/>
+              <a:latin typeface="Calibri" panose="020F0502020204030204" pitchFamily="34" charset="0"/>
+              <a:ea typeface="Calibri" panose="020F0502020204030204" pitchFamily="34" charset="0"/>
+              <a:cs typeface="Times New Roman" panose="02020603050405020304" pitchFamily="18" charset="0"/>
+            </a:endParaRPr>
+          </a:p>
+        </p:txBody>
+      </p:sp>
+      <p:pic>
+        <p:nvPicPr>
+          <p:cNvPr id="3" name="Imagen 2">
+            <a:extLst>
+              <a:ext uri="{FF2B5EF4-FFF2-40B4-BE49-F238E27FC236}">
+                <a16:creationId xmlns:a16="http://schemas.microsoft.com/office/drawing/2014/main" id="{03C669DD-82AC-4769-B75E-F56DB63A2DDF}"/>
+              </a:ext>
+            </a:extLst>
+          </p:cNvPr>
+          <p:cNvPicPr>
+            <a:picLocks noChangeAspect="1"/>
+          </p:cNvPicPr>
+          <p:nvPr/>
+        </p:nvPicPr>
+        <p:blipFill>
+          <a:blip r:embed="rId2"/>
+          <a:stretch>
+            <a:fillRect/>
+          </a:stretch>
+        </p:blipFill>
+        <p:spPr>
+          <a:xfrm>
+            <a:off x="3539790" y="1855689"/>
+            <a:ext cx="7248525" cy="4076700"/>
+          </a:xfrm>
+          <a:prstGeom prst="rect">
+            <a:avLst/>
+          </a:prstGeom>
+        </p:spPr>
+      </p:pic>
+      <p:sp>
+        <p:nvSpPr>
+          <p:cNvPr id="26" name="CuadroTexto 25">
+            <a:extLst>
+              <a:ext uri="{FF2B5EF4-FFF2-40B4-BE49-F238E27FC236}">
+                <a16:creationId xmlns:a16="http://schemas.microsoft.com/office/drawing/2014/main" id="{C11FFB63-73D8-498D-9AA7-3D80E6F98888}"/>
+              </a:ext>
+            </a:extLst>
+          </p:cNvPr>
+          <p:cNvSpPr txBox="1"/>
+          <p:nvPr/>
+        </p:nvSpPr>
+        <p:spPr>
+          <a:xfrm>
+            <a:off x="842210" y="778043"/>
+            <a:ext cx="9946105" cy="421847"/>
+          </a:xfrm>
+          <a:prstGeom prst="rect">
+            <a:avLst/>
+          </a:prstGeom>
+          <a:noFill/>
+        </p:spPr>
+        <p:txBody>
+          <a:bodyPr wrap="square">
+            <a:spAutoFit/>
+          </a:bodyPr>
+          <a:lstStyle/>
+          <a:p>
+            <a:pPr>
+              <a:lnSpc>
+                <a:spcPct val="150000"/>
+              </a:lnSpc>
+            </a:pPr>
+            <a:r>
+              <a:rPr lang="es-ES" sz="1600" dirty="0">
+                <a:latin typeface="Arial" panose="020B0604020202020204" pitchFamily="34" charset="0"/>
+              </a:rPr>
+              <a:t>El protocolo </a:t>
+            </a:r>
+            <a:r>
+              <a:rPr lang="es-ES" sz="1600" b="1" dirty="0">
+                <a:latin typeface="Arial" panose="020B0604020202020204" pitchFamily="34" charset="0"/>
+              </a:rPr>
+              <a:t>CDP</a:t>
+            </a:r>
+            <a:r>
+              <a:rPr lang="es-ES" sz="1600" dirty="0">
+                <a:latin typeface="Arial" panose="020B0604020202020204" pitchFamily="34" charset="0"/>
+              </a:rPr>
+              <a:t> intercambia información cada </a:t>
+            </a:r>
+            <a:r>
+              <a:rPr lang="es-ES" sz="1600" b="1" dirty="0">
+                <a:latin typeface="Arial" panose="020B0604020202020204" pitchFamily="34" charset="0"/>
+              </a:rPr>
+              <a:t>60 segundos </a:t>
+            </a:r>
+            <a:r>
+              <a:rPr lang="es-ES" sz="1600" dirty="0">
+                <a:latin typeface="Arial" panose="020B0604020202020204" pitchFamily="34" charset="0"/>
+              </a:rPr>
+              <a:t>y mantiene la información por </a:t>
+            </a:r>
+            <a:r>
+              <a:rPr lang="es-ES" sz="1600" b="1" dirty="0">
+                <a:latin typeface="Arial" panose="020B0604020202020204" pitchFamily="34" charset="0"/>
+              </a:rPr>
+              <a:t>180 segundos.</a:t>
+            </a:r>
+            <a:endParaRPr lang="es-MX" sz="1800" dirty="0">
+              <a:effectLst/>
+              <a:latin typeface="Calibri" panose="020F0502020204030204" pitchFamily="34" charset="0"/>
+              <a:ea typeface="Calibri" panose="020F0502020204030204" pitchFamily="34" charset="0"/>
+              <a:cs typeface="Times New Roman" panose="02020603050405020304" pitchFamily="18" charset="0"/>
+            </a:endParaRPr>
+          </a:p>
+        </p:txBody>
+      </p:sp>
+      <p:sp>
+        <p:nvSpPr>
+          <p:cNvPr id="7" name="CuadroTexto 6">
+            <a:extLst>
+              <a:ext uri="{FF2B5EF4-FFF2-40B4-BE49-F238E27FC236}">
+                <a16:creationId xmlns:a16="http://schemas.microsoft.com/office/drawing/2014/main" id="{48AA318B-2D07-470D-B0DF-07554E6B8977}"/>
+              </a:ext>
+            </a:extLst>
+          </p:cNvPr>
+          <p:cNvSpPr txBox="1"/>
+          <p:nvPr/>
+        </p:nvSpPr>
+        <p:spPr>
+          <a:xfrm>
+            <a:off x="786063" y="1497932"/>
+            <a:ext cx="4572000" cy="2025876"/>
+          </a:xfrm>
+          <a:prstGeom prst="rect">
+            <a:avLst/>
+          </a:prstGeom>
+          <a:noFill/>
+        </p:spPr>
+        <p:txBody>
+          <a:bodyPr wrap="square">
+            <a:spAutoFit/>
+          </a:bodyPr>
+          <a:lstStyle/>
+          <a:p>
+            <a:pPr marL="285750" indent="-285750" algn="just">
+              <a:lnSpc>
+                <a:spcPct val="107000"/>
+              </a:lnSpc>
+              <a:spcAft>
+                <a:spcPts val="800"/>
+              </a:spcAft>
+              <a:buFont typeface="Arial" panose="020B0604020202020204" pitchFamily="34" charset="0"/>
+              <a:buChar char="•"/>
+            </a:pPr>
+            <a:r>
+              <a:rPr lang="es-ES" sz="1600" dirty="0">
+                <a:effectLst/>
+                <a:latin typeface="Arial" panose="020B0604020202020204" pitchFamily="34" charset="0"/>
+                <a:ea typeface="Calibri" panose="020F0502020204030204" pitchFamily="34" charset="0"/>
+                <a:cs typeface="Times New Roman" panose="02020603050405020304" pitchFamily="18" charset="0"/>
+              </a:rPr>
+              <a:t>El protocolo </a:t>
+            </a:r>
+            <a:r>
+              <a:rPr lang="es-ES" sz="1600" b="1" dirty="0">
+                <a:effectLst/>
+                <a:latin typeface="Arial" panose="020B0604020202020204" pitchFamily="34" charset="0"/>
+                <a:ea typeface="Calibri" panose="020F0502020204030204" pitchFamily="34" charset="0"/>
+                <a:cs typeface="Times New Roman" panose="02020603050405020304" pitchFamily="18" charset="0"/>
+              </a:rPr>
+              <a:t>CDP (Cisco Discovery </a:t>
+            </a:r>
+            <a:r>
+              <a:rPr lang="es-ES" sz="1600" b="1" dirty="0" err="1">
+                <a:effectLst/>
+                <a:latin typeface="Arial" panose="020B0604020202020204" pitchFamily="34" charset="0"/>
+                <a:ea typeface="Calibri" panose="020F0502020204030204" pitchFamily="34" charset="0"/>
+                <a:cs typeface="Times New Roman" panose="02020603050405020304" pitchFamily="18" charset="0"/>
+              </a:rPr>
+              <a:t>Protocol</a:t>
+            </a:r>
+            <a:r>
+              <a:rPr lang="es-ES" sz="1600" b="1" dirty="0">
+                <a:effectLst/>
+                <a:latin typeface="Arial" panose="020B0604020202020204" pitchFamily="34" charset="0"/>
+                <a:ea typeface="Calibri" panose="020F0502020204030204" pitchFamily="34" charset="0"/>
+                <a:cs typeface="Times New Roman" panose="02020603050405020304" pitchFamily="18" charset="0"/>
+              </a:rPr>
+              <a:t>) </a:t>
+            </a:r>
+            <a:r>
+              <a:rPr lang="es-ES" sz="1600" dirty="0">
+                <a:effectLst/>
+                <a:latin typeface="Arial" panose="020B0604020202020204" pitchFamily="34" charset="0"/>
+                <a:ea typeface="Calibri" panose="020F0502020204030204" pitchFamily="34" charset="0"/>
+                <a:cs typeface="Times New Roman" panose="02020603050405020304" pitchFamily="18" charset="0"/>
+              </a:rPr>
+              <a:t>es propietario de CISCO y nos sirve para descubrir información de los vecinos. </a:t>
+            </a:r>
+          </a:p>
+          <a:p>
+            <a:pPr marL="285750" indent="-285750" algn="just">
+              <a:lnSpc>
+                <a:spcPct val="107000"/>
+              </a:lnSpc>
+              <a:spcAft>
+                <a:spcPts val="800"/>
+              </a:spcAft>
+              <a:buFont typeface="Arial" panose="020B0604020202020204" pitchFamily="34" charset="0"/>
+              <a:buChar char="•"/>
+            </a:pPr>
+            <a:r>
+              <a:rPr lang="es-ES" sz="1600" dirty="0">
+                <a:effectLst/>
+                <a:latin typeface="Arial" panose="020B0604020202020204" pitchFamily="34" charset="0"/>
+                <a:ea typeface="Calibri" panose="020F0502020204030204" pitchFamily="34" charset="0"/>
+                <a:cs typeface="Times New Roman" panose="02020603050405020304" pitchFamily="18" charset="0"/>
+              </a:rPr>
+              <a:t>El protocolo </a:t>
+            </a:r>
+            <a:r>
+              <a:rPr lang="es-ES" sz="1600" b="1" dirty="0">
+                <a:effectLst/>
+                <a:latin typeface="Arial" panose="020B0604020202020204" pitchFamily="34" charset="0"/>
+                <a:ea typeface="Calibri" panose="020F0502020204030204" pitchFamily="34" charset="0"/>
+                <a:cs typeface="Times New Roman" panose="02020603050405020304" pitchFamily="18" charset="0"/>
+              </a:rPr>
+              <a:t>LLDP (Link </a:t>
+            </a:r>
+            <a:r>
+              <a:rPr lang="es-ES" sz="1600" b="1" dirty="0" err="1">
+                <a:effectLst/>
+                <a:latin typeface="Arial" panose="020B0604020202020204" pitchFamily="34" charset="0"/>
+                <a:ea typeface="Calibri" panose="020F0502020204030204" pitchFamily="34" charset="0"/>
+                <a:cs typeface="Times New Roman" panose="02020603050405020304" pitchFamily="18" charset="0"/>
+              </a:rPr>
+              <a:t>Layer</a:t>
+            </a:r>
+            <a:r>
+              <a:rPr lang="es-ES" sz="1600" b="1" dirty="0">
+                <a:effectLst/>
+                <a:latin typeface="Arial" panose="020B0604020202020204" pitchFamily="34" charset="0"/>
+                <a:ea typeface="Calibri" panose="020F0502020204030204" pitchFamily="34" charset="0"/>
+                <a:cs typeface="Times New Roman" panose="02020603050405020304" pitchFamily="18" charset="0"/>
+              </a:rPr>
+              <a:t> Discovery </a:t>
+            </a:r>
+            <a:r>
+              <a:rPr lang="es-ES" sz="1600" b="1" dirty="0" err="1">
+                <a:effectLst/>
+                <a:latin typeface="Arial" panose="020B0604020202020204" pitchFamily="34" charset="0"/>
+                <a:ea typeface="Calibri" panose="020F0502020204030204" pitchFamily="34" charset="0"/>
+                <a:cs typeface="Times New Roman" panose="02020603050405020304" pitchFamily="18" charset="0"/>
+              </a:rPr>
+              <a:t>Protocol</a:t>
+            </a:r>
+            <a:r>
+              <a:rPr lang="es-ES" sz="1600" b="1" dirty="0">
+                <a:effectLst/>
+                <a:latin typeface="Arial" panose="020B0604020202020204" pitchFamily="34" charset="0"/>
+                <a:ea typeface="Calibri" panose="020F0502020204030204" pitchFamily="34" charset="0"/>
+                <a:cs typeface="Times New Roman" panose="02020603050405020304" pitchFamily="18" charset="0"/>
+              </a:rPr>
+              <a:t>) </a:t>
+            </a:r>
+            <a:r>
+              <a:rPr lang="es-ES" sz="1600" dirty="0">
+                <a:effectLst/>
+                <a:latin typeface="Arial" panose="020B0604020202020204" pitchFamily="34" charset="0"/>
+                <a:ea typeface="Calibri" panose="020F0502020204030204" pitchFamily="34" charset="0"/>
+                <a:cs typeface="Times New Roman" panose="02020603050405020304" pitchFamily="18" charset="0"/>
+              </a:rPr>
+              <a:t>es un protocolo universal no propietario de CISCO</a:t>
+            </a:r>
+            <a:endParaRPr lang="es-MX" sz="1600" dirty="0">
+              <a:effectLst/>
+              <a:latin typeface="Calibri" panose="020F0502020204030204" pitchFamily="34" charset="0"/>
+              <a:ea typeface="Calibri" panose="020F0502020204030204" pitchFamily="34" charset="0"/>
+              <a:cs typeface="Times New Roman" panose="02020603050405020304" pitchFamily="18" charset="0"/>
+            </a:endParaRPr>
+          </a:p>
+        </p:txBody>
+      </p:sp>
+    </p:spTree>
+    <p:extLst>
+      <p:ext uri="{BB962C8B-B14F-4D97-AF65-F5344CB8AC3E}">
+        <p14:creationId xmlns:p14="http://schemas.microsoft.com/office/powerpoint/2010/main" val="2739673769"/>
       </p:ext>
     </p:extLst>
   </p:cSld>
